--- a/slides/06_abstract_classes_interfaces.pptx
+++ b/slides/06_abstract_classes_interfaces.pptx
@@ -11388,101 +11388,6 @@
               <a:rPr lang="de" sz="3600"/>
               <a:t>Fragen</a:t>
             </a:r>
-            <a:endParaRPr sz="3600"/>
-          </a:p>
-          <a:p>
-            <a:pPr indent="0" lvl="0" marL="0" rtl="0" algn="l">
-              <a:spcBef>
-                <a:spcPts val="320"/>
-              </a:spcBef>
-              <a:spcAft>
-                <a:spcPts val="0"/>
-              </a:spcAft>
-              <a:buClr>
-                <a:schemeClr val="dk1"/>
-              </a:buClr>
-              <a:buSzPts val="1100"/>
-              <a:buFont typeface="Arial"/>
-              <a:buNone/>
-            </a:pPr>
-            <a:r>
-              <a:t/>
-            </a:r>
-            <a:endParaRPr/>
-          </a:p>
-          <a:p>
-            <a:pPr indent="0" lvl="0" marL="0" rtl="0" algn="l">
-              <a:spcBef>
-                <a:spcPts val="320"/>
-              </a:spcBef>
-              <a:spcAft>
-                <a:spcPts val="0"/>
-              </a:spcAft>
-              <a:buClr>
-                <a:schemeClr val="dk1"/>
-              </a:buClr>
-              <a:buSzPts val="1100"/>
-              <a:buFont typeface="Arial"/>
-              <a:buNone/>
-            </a:pPr>
-            <a:r>
-              <a:t/>
-            </a:r>
-            <a:endParaRPr/>
-          </a:p>
-          <a:p>
-            <a:pPr indent="0" lvl="0" marL="0" rtl="0" algn="l">
-              <a:spcBef>
-                <a:spcPts val="320"/>
-              </a:spcBef>
-              <a:spcAft>
-                <a:spcPts val="0"/>
-              </a:spcAft>
-              <a:buClr>
-                <a:schemeClr val="dk1"/>
-              </a:buClr>
-              <a:buSzPts val="1100"/>
-              <a:buFont typeface="Arial"/>
-              <a:buNone/>
-            </a:pPr>
-            <a:r>
-              <a:t/>
-            </a:r>
-            <a:endParaRPr/>
-          </a:p>
-          <a:p>
-            <a:pPr indent="0" lvl="0" marL="0" rtl="0" algn="l">
-              <a:spcBef>
-                <a:spcPts val="320"/>
-              </a:spcBef>
-              <a:spcAft>
-                <a:spcPts val="0"/>
-              </a:spcAft>
-              <a:buClr>
-                <a:schemeClr val="dk1"/>
-              </a:buClr>
-              <a:buSzPts val="1100"/>
-              <a:buFont typeface="Arial"/>
-              <a:buNone/>
-            </a:pPr>
-            <a:r>
-              <a:t/>
-            </a:r>
-            <a:endParaRPr/>
-          </a:p>
-          <a:p>
-            <a:pPr indent="0" lvl="0" marL="0" rtl="0" algn="l">
-              <a:spcBef>
-                <a:spcPts val="320"/>
-              </a:spcBef>
-              <a:spcAft>
-                <a:spcPts val="0"/>
-              </a:spcAft>
-              <a:buNone/>
-            </a:pPr>
-            <a:r>
-              <a:t/>
-            </a:r>
             <a:endParaRPr/>
           </a:p>
         </p:txBody>
